--- a/dev_note/graph material.pptx
+++ b/dev_note/graph material.pptx
@@ -9,9 +9,8 @@
     <p:sldId id="262" r:id="rId3"/>
     <p:sldId id="263" r:id="rId4"/>
     <p:sldId id="259" r:id="rId5"/>
-    <p:sldId id="258" r:id="rId6"/>
-    <p:sldId id="260" r:id="rId7"/>
-    <p:sldId id="261" r:id="rId8"/>
+    <p:sldId id="260" r:id="rId6"/>
+    <p:sldId id="261" r:id="rId7"/>
   </p:sldIdLst>
   <p:sldSz cx="12192000" cy="6858000"/>
   <p:notesSz cx="6858000" cy="9144000"/>
@@ -483,10 +482,10 @@
       </p:grpSpPr>
       <p:grpSp>
         <p:nvGrpSpPr>
-          <p:cNvPr id="28" name="Group 27">
+          <p:cNvPr id="23" name="Group 22">
             <a:extLst>
               <a:ext uri="{FF2B5EF4-FFF2-40B4-BE49-F238E27FC236}">
-                <a16:creationId xmlns:a16="http://schemas.microsoft.com/office/drawing/2014/main" id="{82CD9750-AA3A-D3D9-4429-7995C992D196}"/>
+                <a16:creationId xmlns:a16="http://schemas.microsoft.com/office/drawing/2014/main" id="{0B1C68CA-DBC2-B2E8-55B4-160211C7872B}"/>
               </a:ext>
             </a:extLst>
           </p:cNvPr>
@@ -495,243 +494,183 @@
         </p:nvGrpSpPr>
         <p:grpSpPr>
           <a:xfrm>
-            <a:off x="151773" y="4724645"/>
-            <a:ext cx="1800000" cy="1174083"/>
-            <a:chOff x="7647677" y="3251435"/>
-            <a:chExt cx="1800000" cy="1174083"/>
+            <a:off x="691773" y="4724645"/>
+            <a:ext cx="720000" cy="720000"/>
+            <a:chOff x="3649726" y="1729740"/>
+            <a:chExt cx="914400" cy="1416812"/>
           </a:xfrm>
         </p:grpSpPr>
-        <p:grpSp>
-          <p:nvGrpSpPr>
-            <p:cNvPr id="23" name="Group 22">
+        <p:sp>
+          <p:nvSpPr>
+            <p:cNvPr id="24" name="Flowchart: Magnetic Disk 23">
               <a:extLst>
                 <a:ext uri="{FF2B5EF4-FFF2-40B4-BE49-F238E27FC236}">
-                  <a16:creationId xmlns:a16="http://schemas.microsoft.com/office/drawing/2014/main" id="{0B1C68CA-DBC2-B2E8-55B4-160211C7872B}"/>
+                  <a16:creationId xmlns:a16="http://schemas.microsoft.com/office/drawing/2014/main" id="{C66ECC83-0793-8F06-2613-7512FE3B2E63}"/>
                 </a:ext>
               </a:extLst>
             </p:cNvPr>
-            <p:cNvGrpSpPr/>
+            <p:cNvSpPr/>
             <p:nvPr/>
-          </p:nvGrpSpPr>
-          <p:grpSpPr>
+          </p:nvSpPr>
+          <p:spPr>
             <a:xfrm>
-              <a:off x="8187677" y="3251435"/>
-              <a:ext cx="720000" cy="720000"/>
-              <a:chOff x="3649726" y="1729740"/>
-              <a:chExt cx="914400" cy="1416812"/>
+              <a:off x="3649726" y="2533904"/>
+              <a:ext cx="914400" cy="612648"/>
             </a:xfrm>
-          </p:grpSpPr>
-          <p:sp>
-            <p:nvSpPr>
-              <p:cNvPr id="24" name="Flowchart: Magnetic Disk 23">
-                <a:extLst>
-                  <a:ext uri="{FF2B5EF4-FFF2-40B4-BE49-F238E27FC236}">
-                    <a16:creationId xmlns:a16="http://schemas.microsoft.com/office/drawing/2014/main" id="{C66ECC83-0793-8F06-2613-7512FE3B2E63}"/>
-                  </a:ext>
-                </a:extLst>
-              </p:cNvPr>
-              <p:cNvSpPr/>
-              <p:nvPr/>
-            </p:nvSpPr>
-            <p:spPr>
-              <a:xfrm>
-                <a:off x="3649726" y="2533904"/>
-                <a:ext cx="914400" cy="612648"/>
-              </a:xfrm>
-              <a:prstGeom prst="flowChartMagneticDisk">
-                <a:avLst/>
-              </a:prstGeom>
+            <a:prstGeom prst="flowChartMagneticDisk">
+              <a:avLst/>
+            </a:prstGeom>
+            <a:solidFill>
+              <a:schemeClr val="accent5">
+                <a:lumMod val="40000"/>
+                <a:lumOff val="60000"/>
+              </a:schemeClr>
+            </a:solidFill>
+            <a:ln w="19050">
               <a:solidFill>
-                <a:schemeClr val="accent5">
-                  <a:lumMod val="40000"/>
-                  <a:lumOff val="60000"/>
-                </a:schemeClr>
+                <a:schemeClr val="tx1"/>
               </a:solidFill>
-              <a:ln w="19050">
-                <a:solidFill>
-                  <a:schemeClr val="tx1"/>
-                </a:solidFill>
-              </a:ln>
-            </p:spPr>
-            <p:style>
-              <a:lnRef idx="2">
-                <a:schemeClr val="accent1">
-                  <a:shade val="50000"/>
-                </a:schemeClr>
-              </a:lnRef>
-              <a:fillRef idx="1">
-                <a:schemeClr val="accent1"/>
-              </a:fillRef>
-              <a:effectRef idx="0">
-                <a:schemeClr val="accent1"/>
-              </a:effectRef>
-              <a:fontRef idx="minor">
-                <a:schemeClr val="lt1"/>
-              </a:fontRef>
-            </p:style>
-            <p:txBody>
-              <a:bodyPr rtlCol="0" anchor="ctr"/>
-              <a:lstStyle/>
-              <a:p>
-                <a:pPr algn="ctr"/>
-                <a:endParaRPr lang="zh-TW" altLang="en-US"/>
-              </a:p>
-            </p:txBody>
-          </p:sp>
-          <p:sp>
-            <p:nvSpPr>
-              <p:cNvPr id="25" name="Flowchart: Magnetic Disk 24">
-                <a:extLst>
-                  <a:ext uri="{FF2B5EF4-FFF2-40B4-BE49-F238E27FC236}">
-                    <a16:creationId xmlns:a16="http://schemas.microsoft.com/office/drawing/2014/main" id="{EB9ED9DF-946C-489D-019A-DAA611AA1655}"/>
-                  </a:ext>
-                </a:extLst>
-              </p:cNvPr>
-              <p:cNvSpPr/>
-              <p:nvPr/>
-            </p:nvSpPr>
-            <p:spPr>
-              <a:xfrm>
-                <a:off x="3649726" y="2131822"/>
-                <a:ext cx="914400" cy="612648"/>
-              </a:xfrm>
-              <a:prstGeom prst="flowChartMagneticDisk">
-                <a:avLst/>
-              </a:prstGeom>
-              <a:solidFill>
-                <a:schemeClr val="accent5">
-                  <a:lumMod val="40000"/>
-                  <a:lumOff val="60000"/>
-                </a:schemeClr>
-              </a:solidFill>
-              <a:ln w="19050">
-                <a:solidFill>
-                  <a:schemeClr val="tx1"/>
-                </a:solidFill>
-              </a:ln>
-            </p:spPr>
-            <p:style>
-              <a:lnRef idx="2">
-                <a:schemeClr val="accent1">
-                  <a:shade val="50000"/>
-                </a:schemeClr>
-              </a:lnRef>
-              <a:fillRef idx="1">
-                <a:schemeClr val="accent1"/>
-              </a:fillRef>
-              <a:effectRef idx="0">
-                <a:schemeClr val="accent1"/>
-              </a:effectRef>
-              <a:fontRef idx="minor">
-                <a:schemeClr val="lt1"/>
-              </a:fontRef>
-            </p:style>
-            <p:txBody>
-              <a:bodyPr rtlCol="0" anchor="ctr"/>
-              <a:lstStyle/>
-              <a:p>
-                <a:pPr algn="ctr"/>
-                <a:endParaRPr lang="zh-TW" altLang="en-US"/>
-              </a:p>
-            </p:txBody>
-          </p:sp>
-          <p:sp>
-            <p:nvSpPr>
-              <p:cNvPr id="26" name="Flowchart: Magnetic Disk 25">
-                <a:extLst>
-                  <a:ext uri="{FF2B5EF4-FFF2-40B4-BE49-F238E27FC236}">
-                    <a16:creationId xmlns:a16="http://schemas.microsoft.com/office/drawing/2014/main" id="{2B6E75A0-823B-4903-F211-1EF94D09413F}"/>
-                  </a:ext>
-                </a:extLst>
-              </p:cNvPr>
-              <p:cNvSpPr/>
-              <p:nvPr/>
-            </p:nvSpPr>
-            <p:spPr>
-              <a:xfrm>
-                <a:off x="3649726" y="1729740"/>
-                <a:ext cx="914400" cy="612648"/>
-              </a:xfrm>
-              <a:prstGeom prst="flowChartMagneticDisk">
-                <a:avLst/>
-              </a:prstGeom>
-              <a:solidFill>
-                <a:schemeClr val="accent5">
-                  <a:lumMod val="40000"/>
-                  <a:lumOff val="60000"/>
-                </a:schemeClr>
-              </a:solidFill>
-              <a:ln w="19050">
-                <a:solidFill>
-                  <a:schemeClr val="tx1"/>
-                </a:solidFill>
-              </a:ln>
-            </p:spPr>
-            <p:style>
-              <a:lnRef idx="2">
-                <a:schemeClr val="accent1">
-                  <a:shade val="50000"/>
-                </a:schemeClr>
-              </a:lnRef>
-              <a:fillRef idx="1">
-                <a:schemeClr val="accent1"/>
-              </a:fillRef>
-              <a:effectRef idx="0">
-                <a:schemeClr val="accent1"/>
-              </a:effectRef>
-              <a:fontRef idx="minor">
-                <a:schemeClr val="lt1"/>
-              </a:fontRef>
-            </p:style>
-            <p:txBody>
-              <a:bodyPr rtlCol="0" anchor="ctr"/>
-              <a:lstStyle/>
-              <a:p>
-                <a:pPr algn="ctr"/>
-                <a:endParaRPr lang="zh-TW" altLang="en-US"/>
-              </a:p>
-            </p:txBody>
-          </p:sp>
-        </p:grpSp>
-        <p:pic>
-          <p:nvPicPr>
-            <p:cNvPr id="27" name="Graphic 26">
+            </a:ln>
+          </p:spPr>
+          <p:style>
+            <a:lnRef idx="2">
+              <a:schemeClr val="accent1">
+                <a:shade val="50000"/>
+              </a:schemeClr>
+            </a:lnRef>
+            <a:fillRef idx="1">
+              <a:schemeClr val="accent1"/>
+            </a:fillRef>
+            <a:effectRef idx="0">
+              <a:schemeClr val="accent1"/>
+            </a:effectRef>
+            <a:fontRef idx="minor">
+              <a:schemeClr val="lt1"/>
+            </a:fontRef>
+          </p:style>
+          <p:txBody>
+            <a:bodyPr rtlCol="0" anchor="ctr"/>
+            <a:lstStyle/>
+            <a:p>
+              <a:pPr algn="ctr"/>
+              <a:endParaRPr lang="zh-TW" altLang="en-US"/>
+            </a:p>
+          </p:txBody>
+        </p:sp>
+        <p:sp>
+          <p:nvSpPr>
+            <p:cNvPr id="25" name="Flowchart: Magnetic Disk 24">
               <a:extLst>
                 <a:ext uri="{FF2B5EF4-FFF2-40B4-BE49-F238E27FC236}">
-                  <a16:creationId xmlns:a16="http://schemas.microsoft.com/office/drawing/2014/main" id="{C4E6DDC3-79FE-C9C9-23E6-94BCEDEC1D3C}"/>
+                  <a16:creationId xmlns:a16="http://schemas.microsoft.com/office/drawing/2014/main" id="{EB9ED9DF-946C-489D-019A-DAA611AA1655}"/>
                 </a:ext>
               </a:extLst>
             </p:cNvPr>
-            <p:cNvPicPr>
-              <a:picLocks noChangeAspect="1"/>
-            </p:cNvPicPr>
+            <p:cNvSpPr/>
             <p:nvPr/>
-          </p:nvPicPr>
-          <p:blipFill>
-            <a:blip r:embed="rId2">
+          </p:nvSpPr>
+          <p:spPr>
+            <a:xfrm>
+              <a:off x="3649726" y="2131822"/>
+              <a:ext cx="914400" cy="612648"/>
+            </a:xfrm>
+            <a:prstGeom prst="flowChartMagneticDisk">
+              <a:avLst/>
+            </a:prstGeom>
+            <a:solidFill>
+              <a:schemeClr val="accent5">
+                <a:lumMod val="40000"/>
+                <a:lumOff val="60000"/>
+              </a:schemeClr>
+            </a:solidFill>
+            <a:ln w="19050">
+              <a:solidFill>
+                <a:schemeClr val="tx1"/>
+              </a:solidFill>
+            </a:ln>
+          </p:spPr>
+          <p:style>
+            <a:lnRef idx="2">
+              <a:schemeClr val="accent1">
+                <a:shade val="50000"/>
+              </a:schemeClr>
+            </a:lnRef>
+            <a:fillRef idx="1">
+              <a:schemeClr val="accent1"/>
+            </a:fillRef>
+            <a:effectRef idx="0">
+              <a:schemeClr val="accent1"/>
+            </a:effectRef>
+            <a:fontRef idx="minor">
+              <a:schemeClr val="lt1"/>
+            </a:fontRef>
+          </p:style>
+          <p:txBody>
+            <a:bodyPr rtlCol="0" anchor="ctr"/>
+            <a:lstStyle/>
+            <a:p>
+              <a:pPr algn="ctr"/>
+              <a:endParaRPr lang="zh-TW" altLang="en-US"/>
+            </a:p>
+          </p:txBody>
+        </p:sp>
+        <p:sp>
+          <p:nvSpPr>
+            <p:cNvPr id="26" name="Flowchart: Magnetic Disk 25">
               <a:extLst>
-                <a:ext uri="{28A0092B-C50C-407E-A947-70E740481C1C}">
-                  <a14:useLocalDpi xmlns:a14="http://schemas.microsoft.com/office/drawing/2010/main" val="0"/>
-                </a:ext>
-                <a:ext uri="{96DAC541-7B7A-43D3-8B79-37D633B846F1}">
-                  <asvg:svgBlip xmlns:asvg="http://schemas.microsoft.com/office/drawing/2016/SVG/main" r:embed="rId3"/>
+                <a:ext uri="{FF2B5EF4-FFF2-40B4-BE49-F238E27FC236}">
+                  <a16:creationId xmlns:a16="http://schemas.microsoft.com/office/drawing/2014/main" id="{2B6E75A0-823B-4903-F211-1EF94D09413F}"/>
                 </a:ext>
               </a:extLst>
-            </a:blip>
-            <a:stretch>
-              <a:fillRect/>
-            </a:stretch>
-          </p:blipFill>
+            </p:cNvPr>
+            <p:cNvSpPr/>
+            <p:nvPr/>
+          </p:nvSpPr>
           <p:spPr>
             <a:xfrm>
-              <a:off x="7647677" y="3971435"/>
-              <a:ext cx="1800000" cy="454083"/>
+              <a:off x="3649726" y="1729740"/>
+              <a:ext cx="914400" cy="612648"/>
             </a:xfrm>
-            <a:prstGeom prst="rect">
+            <a:prstGeom prst="flowChartMagneticDisk">
               <a:avLst/>
             </a:prstGeom>
+            <a:solidFill>
+              <a:schemeClr val="accent5">
+                <a:lumMod val="40000"/>
+                <a:lumOff val="60000"/>
+              </a:schemeClr>
+            </a:solidFill>
+            <a:ln w="19050">
+              <a:solidFill>
+                <a:schemeClr val="tx1"/>
+              </a:solidFill>
+            </a:ln>
           </p:spPr>
-        </p:pic>
+          <p:style>
+            <a:lnRef idx="2">
+              <a:schemeClr val="accent1">
+                <a:shade val="50000"/>
+              </a:schemeClr>
+            </a:lnRef>
+            <a:fillRef idx="1">
+              <a:schemeClr val="accent1"/>
+            </a:fillRef>
+            <a:effectRef idx="0">
+              <a:schemeClr val="accent1"/>
+            </a:effectRef>
+            <a:fontRef idx="minor">
+              <a:schemeClr val="lt1"/>
+            </a:fontRef>
+          </p:style>
+          <p:txBody>
+            <a:bodyPr rtlCol="0" anchor="ctr"/>
+            <a:lstStyle/>
+            <a:p>
+              <a:pPr algn="ctr"/>
+              <a:endParaRPr lang="zh-TW" altLang="en-US"/>
+            </a:p>
+          </p:txBody>
+        </p:sp>
       </p:grpSp>
       <p:sp>
         <p:nvSpPr>
@@ -804,7 +743,7 @@
             <p:nvPr/>
           </p:nvPicPr>
           <p:blipFill>
-            <a:blip r:embed="rId4">
+            <a:blip r:embed="rId2">
               <a:extLst>
                 <a:ext uri="{28A0092B-C50C-407E-A947-70E740481C1C}">
                   <a14:useLocalDpi xmlns:a14="http://schemas.microsoft.com/office/drawing/2010/main" val="0"/>
@@ -851,7 +790,7 @@
             <p:nvPr/>
           </p:nvPicPr>
           <p:blipFill>
-            <a:blip r:embed="rId5">
+            <a:blip r:embed="rId3">
               <a:extLst>
                 <a:ext uri="{28A0092B-C50C-407E-A947-70E740481C1C}">
                   <a14:useLocalDpi xmlns:a14="http://schemas.microsoft.com/office/drawing/2010/main" val="0"/>
@@ -943,7 +882,7 @@
             <p:nvPr/>
           </p:nvPicPr>
           <p:blipFill>
-            <a:blip r:embed="rId6">
+            <a:blip r:embed="rId4">
               <a:extLst>
                 <a:ext uri="{28A0092B-C50C-407E-A947-70E740481C1C}">
                   <a14:useLocalDpi xmlns:a14="http://schemas.microsoft.com/office/drawing/2010/main" val="0"/>
@@ -1080,7 +1019,7 @@
             <p:nvPr/>
           </p:nvPicPr>
           <p:blipFill>
-            <a:blip r:embed="rId7">
+            <a:blip r:embed="rId5">
               <a:extLst>
                 <a:ext uri="{28A0092B-C50C-407E-A947-70E740481C1C}">
                   <a14:useLocalDpi xmlns:a14="http://schemas.microsoft.com/office/drawing/2010/main" val="0"/>
@@ -4437,10 +4376,10 @@
       </p:sp>
       <p:grpSp>
         <p:nvGrpSpPr>
-          <p:cNvPr id="9" name="Group 8">
+          <p:cNvPr id="10" name="Group 9">
             <a:extLst>
               <a:ext uri="{FF2B5EF4-FFF2-40B4-BE49-F238E27FC236}">
-                <a16:creationId xmlns:a16="http://schemas.microsoft.com/office/drawing/2014/main" id="{9643AB24-B9FF-1E3E-D8DB-187637673BF8}"/>
+                <a16:creationId xmlns:a16="http://schemas.microsoft.com/office/drawing/2014/main" id="{23120616-93D7-E6FB-724E-12E6B583F34D}"/>
               </a:ext>
             </a:extLst>
           </p:cNvPr>
@@ -4449,243 +4388,183 @@
         </p:nvGrpSpPr>
         <p:grpSpPr>
           <a:xfrm>
-            <a:off x="7386293" y="3115868"/>
-            <a:ext cx="1800000" cy="1174083"/>
-            <a:chOff x="7647677" y="3251435"/>
-            <a:chExt cx="1800000" cy="1174083"/>
+            <a:off x="7926293" y="3115868"/>
+            <a:ext cx="720000" cy="720000"/>
+            <a:chOff x="3649726" y="1729740"/>
+            <a:chExt cx="914400" cy="1416812"/>
           </a:xfrm>
         </p:grpSpPr>
-        <p:grpSp>
-          <p:nvGrpSpPr>
-            <p:cNvPr id="10" name="Group 9">
+        <p:sp>
+          <p:nvSpPr>
+            <p:cNvPr id="12" name="Flowchart: Magnetic Disk 11">
               <a:extLst>
                 <a:ext uri="{FF2B5EF4-FFF2-40B4-BE49-F238E27FC236}">
-                  <a16:creationId xmlns:a16="http://schemas.microsoft.com/office/drawing/2014/main" id="{23120616-93D7-E6FB-724E-12E6B583F34D}"/>
+                  <a16:creationId xmlns:a16="http://schemas.microsoft.com/office/drawing/2014/main" id="{CC29A736-FDD1-30A0-9A0F-C4C5F2B67F93}"/>
                 </a:ext>
               </a:extLst>
             </p:cNvPr>
-            <p:cNvGrpSpPr/>
+            <p:cNvSpPr/>
             <p:nvPr/>
-          </p:nvGrpSpPr>
-          <p:grpSpPr>
+          </p:nvSpPr>
+          <p:spPr>
             <a:xfrm>
-              <a:off x="8187677" y="3251435"/>
-              <a:ext cx="720000" cy="720000"/>
-              <a:chOff x="3649726" y="1729740"/>
-              <a:chExt cx="914400" cy="1416812"/>
+              <a:off x="3649726" y="2533904"/>
+              <a:ext cx="914400" cy="612648"/>
             </a:xfrm>
-          </p:grpSpPr>
-          <p:sp>
-            <p:nvSpPr>
-              <p:cNvPr id="12" name="Flowchart: Magnetic Disk 11">
-                <a:extLst>
-                  <a:ext uri="{FF2B5EF4-FFF2-40B4-BE49-F238E27FC236}">
-                    <a16:creationId xmlns:a16="http://schemas.microsoft.com/office/drawing/2014/main" id="{CC29A736-FDD1-30A0-9A0F-C4C5F2B67F93}"/>
-                  </a:ext>
-                </a:extLst>
-              </p:cNvPr>
-              <p:cNvSpPr/>
-              <p:nvPr/>
-            </p:nvSpPr>
-            <p:spPr>
-              <a:xfrm>
-                <a:off x="3649726" y="2533904"/>
-                <a:ext cx="914400" cy="612648"/>
-              </a:xfrm>
-              <a:prstGeom prst="flowChartMagneticDisk">
-                <a:avLst/>
-              </a:prstGeom>
+            <a:prstGeom prst="flowChartMagneticDisk">
+              <a:avLst/>
+            </a:prstGeom>
+            <a:solidFill>
+              <a:schemeClr val="accent5">
+                <a:lumMod val="40000"/>
+                <a:lumOff val="60000"/>
+              </a:schemeClr>
+            </a:solidFill>
+            <a:ln w="19050">
               <a:solidFill>
-                <a:schemeClr val="accent5">
-                  <a:lumMod val="40000"/>
-                  <a:lumOff val="60000"/>
-                </a:schemeClr>
+                <a:schemeClr val="tx1"/>
               </a:solidFill>
-              <a:ln w="19050">
-                <a:solidFill>
-                  <a:schemeClr val="tx1"/>
-                </a:solidFill>
-              </a:ln>
-            </p:spPr>
-            <p:style>
-              <a:lnRef idx="2">
-                <a:schemeClr val="accent1">
-                  <a:shade val="50000"/>
-                </a:schemeClr>
-              </a:lnRef>
-              <a:fillRef idx="1">
-                <a:schemeClr val="accent1"/>
-              </a:fillRef>
-              <a:effectRef idx="0">
-                <a:schemeClr val="accent1"/>
-              </a:effectRef>
-              <a:fontRef idx="minor">
-                <a:schemeClr val="lt1"/>
-              </a:fontRef>
-            </p:style>
-            <p:txBody>
-              <a:bodyPr rtlCol="0" anchor="ctr"/>
-              <a:lstStyle/>
-              <a:p>
-                <a:pPr algn="ctr"/>
-                <a:endParaRPr lang="zh-TW" altLang="en-US"/>
-              </a:p>
-            </p:txBody>
-          </p:sp>
-          <p:sp>
-            <p:nvSpPr>
-              <p:cNvPr id="13" name="Flowchart: Magnetic Disk 12">
-                <a:extLst>
-                  <a:ext uri="{FF2B5EF4-FFF2-40B4-BE49-F238E27FC236}">
-                    <a16:creationId xmlns:a16="http://schemas.microsoft.com/office/drawing/2014/main" id="{6F72EBA3-1F57-E2C9-73E4-208C3A9A150F}"/>
-                  </a:ext>
-                </a:extLst>
-              </p:cNvPr>
-              <p:cNvSpPr/>
-              <p:nvPr/>
-            </p:nvSpPr>
-            <p:spPr>
-              <a:xfrm>
-                <a:off x="3649726" y="2131822"/>
-                <a:ext cx="914400" cy="612648"/>
-              </a:xfrm>
-              <a:prstGeom prst="flowChartMagneticDisk">
-                <a:avLst/>
-              </a:prstGeom>
-              <a:solidFill>
-                <a:schemeClr val="accent5">
-                  <a:lumMod val="40000"/>
-                  <a:lumOff val="60000"/>
-                </a:schemeClr>
-              </a:solidFill>
-              <a:ln w="19050">
-                <a:solidFill>
-                  <a:schemeClr val="tx1"/>
-                </a:solidFill>
-              </a:ln>
-            </p:spPr>
-            <p:style>
-              <a:lnRef idx="2">
-                <a:schemeClr val="accent1">
-                  <a:shade val="50000"/>
-                </a:schemeClr>
-              </a:lnRef>
-              <a:fillRef idx="1">
-                <a:schemeClr val="accent1"/>
-              </a:fillRef>
-              <a:effectRef idx="0">
-                <a:schemeClr val="accent1"/>
-              </a:effectRef>
-              <a:fontRef idx="minor">
-                <a:schemeClr val="lt1"/>
-              </a:fontRef>
-            </p:style>
-            <p:txBody>
-              <a:bodyPr rtlCol="0" anchor="ctr"/>
-              <a:lstStyle/>
-              <a:p>
-                <a:pPr algn="ctr"/>
-                <a:endParaRPr lang="zh-TW" altLang="en-US"/>
-              </a:p>
-            </p:txBody>
-          </p:sp>
-          <p:sp>
-            <p:nvSpPr>
-              <p:cNvPr id="14" name="Flowchart: Magnetic Disk 13">
-                <a:extLst>
-                  <a:ext uri="{FF2B5EF4-FFF2-40B4-BE49-F238E27FC236}">
-                    <a16:creationId xmlns:a16="http://schemas.microsoft.com/office/drawing/2014/main" id="{997D4B1D-CFA1-13A3-6FBD-8975570E8BA6}"/>
-                  </a:ext>
-                </a:extLst>
-              </p:cNvPr>
-              <p:cNvSpPr/>
-              <p:nvPr/>
-            </p:nvSpPr>
-            <p:spPr>
-              <a:xfrm>
-                <a:off x="3649726" y="1729740"/>
-                <a:ext cx="914400" cy="612648"/>
-              </a:xfrm>
-              <a:prstGeom prst="flowChartMagneticDisk">
-                <a:avLst/>
-              </a:prstGeom>
-              <a:solidFill>
-                <a:schemeClr val="accent5">
-                  <a:lumMod val="40000"/>
-                  <a:lumOff val="60000"/>
-                </a:schemeClr>
-              </a:solidFill>
-              <a:ln w="19050">
-                <a:solidFill>
-                  <a:schemeClr val="tx1"/>
-                </a:solidFill>
-              </a:ln>
-            </p:spPr>
-            <p:style>
-              <a:lnRef idx="2">
-                <a:schemeClr val="accent1">
-                  <a:shade val="50000"/>
-                </a:schemeClr>
-              </a:lnRef>
-              <a:fillRef idx="1">
-                <a:schemeClr val="accent1"/>
-              </a:fillRef>
-              <a:effectRef idx="0">
-                <a:schemeClr val="accent1"/>
-              </a:effectRef>
-              <a:fontRef idx="minor">
-                <a:schemeClr val="lt1"/>
-              </a:fontRef>
-            </p:style>
-            <p:txBody>
-              <a:bodyPr rtlCol="0" anchor="ctr"/>
-              <a:lstStyle/>
-              <a:p>
-                <a:pPr algn="ctr"/>
-                <a:endParaRPr lang="zh-TW" altLang="en-US"/>
-              </a:p>
-            </p:txBody>
-          </p:sp>
-        </p:grpSp>
-        <p:pic>
-          <p:nvPicPr>
-            <p:cNvPr id="11" name="Graphic 10">
+            </a:ln>
+          </p:spPr>
+          <p:style>
+            <a:lnRef idx="2">
+              <a:schemeClr val="accent1">
+                <a:shade val="50000"/>
+              </a:schemeClr>
+            </a:lnRef>
+            <a:fillRef idx="1">
+              <a:schemeClr val="accent1"/>
+            </a:fillRef>
+            <a:effectRef idx="0">
+              <a:schemeClr val="accent1"/>
+            </a:effectRef>
+            <a:fontRef idx="minor">
+              <a:schemeClr val="lt1"/>
+            </a:fontRef>
+          </p:style>
+          <p:txBody>
+            <a:bodyPr rtlCol="0" anchor="ctr"/>
+            <a:lstStyle/>
+            <a:p>
+              <a:pPr algn="ctr"/>
+              <a:endParaRPr lang="zh-TW" altLang="en-US"/>
+            </a:p>
+          </p:txBody>
+        </p:sp>
+        <p:sp>
+          <p:nvSpPr>
+            <p:cNvPr id="13" name="Flowchart: Magnetic Disk 12">
               <a:extLst>
                 <a:ext uri="{FF2B5EF4-FFF2-40B4-BE49-F238E27FC236}">
-                  <a16:creationId xmlns:a16="http://schemas.microsoft.com/office/drawing/2014/main" id="{D5872280-6602-8E90-D393-4B1734DFF43C}"/>
+                  <a16:creationId xmlns:a16="http://schemas.microsoft.com/office/drawing/2014/main" id="{6F72EBA3-1F57-E2C9-73E4-208C3A9A150F}"/>
                 </a:ext>
               </a:extLst>
             </p:cNvPr>
-            <p:cNvPicPr>
-              <a:picLocks noChangeAspect="1"/>
-            </p:cNvPicPr>
+            <p:cNvSpPr/>
             <p:nvPr/>
-          </p:nvPicPr>
-          <p:blipFill>
-            <a:blip r:embed="rId2">
+          </p:nvSpPr>
+          <p:spPr>
+            <a:xfrm>
+              <a:off x="3649726" y="2131822"/>
+              <a:ext cx="914400" cy="612648"/>
+            </a:xfrm>
+            <a:prstGeom prst="flowChartMagneticDisk">
+              <a:avLst/>
+            </a:prstGeom>
+            <a:solidFill>
+              <a:schemeClr val="accent5">
+                <a:lumMod val="40000"/>
+                <a:lumOff val="60000"/>
+              </a:schemeClr>
+            </a:solidFill>
+            <a:ln w="19050">
+              <a:solidFill>
+                <a:schemeClr val="tx1"/>
+              </a:solidFill>
+            </a:ln>
+          </p:spPr>
+          <p:style>
+            <a:lnRef idx="2">
+              <a:schemeClr val="accent1">
+                <a:shade val="50000"/>
+              </a:schemeClr>
+            </a:lnRef>
+            <a:fillRef idx="1">
+              <a:schemeClr val="accent1"/>
+            </a:fillRef>
+            <a:effectRef idx="0">
+              <a:schemeClr val="accent1"/>
+            </a:effectRef>
+            <a:fontRef idx="minor">
+              <a:schemeClr val="lt1"/>
+            </a:fontRef>
+          </p:style>
+          <p:txBody>
+            <a:bodyPr rtlCol="0" anchor="ctr"/>
+            <a:lstStyle/>
+            <a:p>
+              <a:pPr algn="ctr"/>
+              <a:endParaRPr lang="zh-TW" altLang="en-US"/>
+            </a:p>
+          </p:txBody>
+        </p:sp>
+        <p:sp>
+          <p:nvSpPr>
+            <p:cNvPr id="14" name="Flowchart: Magnetic Disk 13">
               <a:extLst>
-                <a:ext uri="{28A0092B-C50C-407E-A947-70E740481C1C}">
-                  <a14:useLocalDpi xmlns:a14="http://schemas.microsoft.com/office/drawing/2010/main" val="0"/>
-                </a:ext>
-                <a:ext uri="{96DAC541-7B7A-43D3-8B79-37D633B846F1}">
-                  <asvg:svgBlip xmlns:asvg="http://schemas.microsoft.com/office/drawing/2016/SVG/main" r:embed="rId3"/>
+                <a:ext uri="{FF2B5EF4-FFF2-40B4-BE49-F238E27FC236}">
+                  <a16:creationId xmlns:a16="http://schemas.microsoft.com/office/drawing/2014/main" id="{997D4B1D-CFA1-13A3-6FBD-8975570E8BA6}"/>
                 </a:ext>
               </a:extLst>
-            </a:blip>
-            <a:stretch>
-              <a:fillRect/>
-            </a:stretch>
-          </p:blipFill>
+            </p:cNvPr>
+            <p:cNvSpPr/>
+            <p:nvPr/>
+          </p:nvSpPr>
           <p:spPr>
             <a:xfrm>
-              <a:off x="7647677" y="3971435"/>
-              <a:ext cx="1800000" cy="454083"/>
+              <a:off x="3649726" y="1729740"/>
+              <a:ext cx="914400" cy="612648"/>
             </a:xfrm>
-            <a:prstGeom prst="rect">
+            <a:prstGeom prst="flowChartMagneticDisk">
               <a:avLst/>
             </a:prstGeom>
+            <a:solidFill>
+              <a:schemeClr val="accent5">
+                <a:lumMod val="40000"/>
+                <a:lumOff val="60000"/>
+              </a:schemeClr>
+            </a:solidFill>
+            <a:ln w="19050">
+              <a:solidFill>
+                <a:schemeClr val="tx1"/>
+              </a:solidFill>
+            </a:ln>
           </p:spPr>
-        </p:pic>
+          <p:style>
+            <a:lnRef idx="2">
+              <a:schemeClr val="accent1">
+                <a:shade val="50000"/>
+              </a:schemeClr>
+            </a:lnRef>
+            <a:fillRef idx="1">
+              <a:schemeClr val="accent1"/>
+            </a:fillRef>
+            <a:effectRef idx="0">
+              <a:schemeClr val="accent1"/>
+            </a:effectRef>
+            <a:fontRef idx="minor">
+              <a:schemeClr val="lt1"/>
+            </a:fontRef>
+          </p:style>
+          <p:txBody>
+            <a:bodyPr rtlCol="0" anchor="ctr"/>
+            <a:lstStyle/>
+            <a:p>
+              <a:pPr algn="ctr"/>
+              <a:endParaRPr lang="zh-TW" altLang="en-US"/>
+            </a:p>
+          </p:txBody>
+        </p:sp>
       </p:grpSp>
     </p:spTree>
     <p:extLst>
@@ -4701,216 +4580,6 @@
 </file>
 
 <file path=ppt/slides/slide5.xml><?xml version="1.0" encoding="utf-8"?>
-<p:sld xmlns:a="http://schemas.openxmlformats.org/drawingml/2006/main" xmlns:r="http://schemas.openxmlformats.org/officeDocument/2006/relationships" xmlns:p="http://schemas.openxmlformats.org/presentationml/2006/main">
-  <p:cSld>
-    <p:spTree>
-      <p:nvGrpSpPr>
-        <p:cNvPr id="1" name=""/>
-        <p:cNvGrpSpPr/>
-        <p:nvPr/>
-      </p:nvGrpSpPr>
-      <p:grpSpPr>
-        <a:xfrm>
-          <a:off x="0" y="0"/>
-          <a:ext cx="0" cy="0"/>
-          <a:chOff x="0" y="0"/>
-          <a:chExt cx="0" cy="0"/>
-        </a:xfrm>
-      </p:grpSpPr>
-      <p:pic>
-        <p:nvPicPr>
-          <p:cNvPr id="1026" name="Picture 2">
-            <a:extLst>
-              <a:ext uri="{FF2B5EF4-FFF2-40B4-BE49-F238E27FC236}">
-                <a16:creationId xmlns:a16="http://schemas.microsoft.com/office/drawing/2014/main" id="{B2DC52F3-E6FF-837C-6665-ED7741E0D301}"/>
-              </a:ext>
-            </a:extLst>
-          </p:cNvPr>
-          <p:cNvPicPr>
-            <a:picLocks noChangeAspect="1" noChangeArrowheads="1"/>
-          </p:cNvPicPr>
-          <p:nvPr/>
-        </p:nvPicPr>
-        <p:blipFill>
-          <a:blip r:embed="rId2">
-            <a:extLst>
-              <a:ext uri="{28A0092B-C50C-407E-A947-70E740481C1C}">
-                <a14:useLocalDpi xmlns:a14="http://schemas.microsoft.com/office/drawing/2010/main" val="0"/>
-              </a:ext>
-            </a:extLst>
-          </a:blip>
-          <a:srcRect/>
-          <a:stretch>
-            <a:fillRect/>
-          </a:stretch>
-        </p:blipFill>
-        <p:spPr bwMode="auto">
-          <a:xfrm>
-            <a:off x="878904" y="655480"/>
-            <a:ext cx="2651760" cy="3048000"/>
-          </a:xfrm>
-          <a:prstGeom prst="rect">
-            <a:avLst/>
-          </a:prstGeom>
-          <a:noFill/>
-          <a:extLst>
-            <a:ext uri="{909E8E84-426E-40DD-AFC4-6F175D3DCCD1}">
-              <a14:hiddenFill xmlns:a14="http://schemas.microsoft.com/office/drawing/2010/main">
-                <a:solidFill>
-                  <a:srgbClr val="FFFFFF"/>
-                </a:solidFill>
-              </a14:hiddenFill>
-            </a:ext>
-          </a:extLst>
-        </p:spPr>
-      </p:pic>
-      <p:pic>
-        <p:nvPicPr>
-          <p:cNvPr id="13" name="Graphic 12">
-            <a:extLst>
-              <a:ext uri="{FF2B5EF4-FFF2-40B4-BE49-F238E27FC236}">
-                <a16:creationId xmlns:a16="http://schemas.microsoft.com/office/drawing/2014/main" id="{B3AB7CC9-049B-3CA0-AD0D-8038A674EBCF}"/>
-              </a:ext>
-            </a:extLst>
-          </p:cNvPr>
-          <p:cNvPicPr>
-            <a:picLocks noChangeAspect="1"/>
-          </p:cNvPicPr>
-          <p:nvPr/>
-        </p:nvPicPr>
-        <p:blipFill>
-          <a:blip r:embed="rId3">
-            <a:extLst>
-              <a:ext uri="{28A0092B-C50C-407E-A947-70E740481C1C}">
-                <a14:useLocalDpi xmlns:a14="http://schemas.microsoft.com/office/drawing/2010/main" val="0"/>
-              </a:ext>
-              <a:ext uri="{96DAC541-7B7A-43D3-8B79-37D633B846F1}">
-                <asvg:svgBlip xmlns:asvg="http://schemas.microsoft.com/office/drawing/2016/SVG/main" r:embed="rId4"/>
-              </a:ext>
-            </a:extLst>
-          </a:blip>
-          <a:stretch>
-            <a:fillRect/>
-          </a:stretch>
-        </p:blipFill>
-        <p:spPr>
-          <a:xfrm>
-            <a:off x="703413" y="3789353"/>
-            <a:ext cx="10496550" cy="2647950"/>
-          </a:xfrm>
-          <a:prstGeom prst="rect">
-            <a:avLst/>
-          </a:prstGeom>
-        </p:spPr>
-      </p:pic>
-      <p:pic>
-        <p:nvPicPr>
-          <p:cNvPr id="1030" name="Picture 6" descr="1378">
-            <a:extLst>
-              <a:ext uri="{FF2B5EF4-FFF2-40B4-BE49-F238E27FC236}">
-                <a16:creationId xmlns:a16="http://schemas.microsoft.com/office/drawing/2014/main" id="{5A669DDD-E63E-BCDC-F561-A2B51D74865C}"/>
-              </a:ext>
-            </a:extLst>
-          </p:cNvPr>
-          <p:cNvPicPr>
-            <a:picLocks noChangeAspect="1" noChangeArrowheads="1"/>
-          </p:cNvPicPr>
-          <p:nvPr/>
-        </p:nvPicPr>
-        <p:blipFill>
-          <a:blip r:embed="rId5">
-            <a:extLst>
-              <a:ext uri="{28A0092B-C50C-407E-A947-70E740481C1C}">
-                <a14:useLocalDpi xmlns:a14="http://schemas.microsoft.com/office/drawing/2010/main" val="0"/>
-              </a:ext>
-            </a:extLst>
-          </a:blip>
-          <a:srcRect/>
-          <a:stretch>
-            <a:fillRect/>
-          </a:stretch>
-        </p:blipFill>
-        <p:spPr bwMode="auto">
-          <a:xfrm>
-            <a:off x="5434013" y="1447800"/>
-            <a:ext cx="1571625" cy="2076450"/>
-          </a:xfrm>
-          <a:prstGeom prst="rect">
-            <a:avLst/>
-          </a:prstGeom>
-          <a:noFill/>
-          <a:extLst>
-            <a:ext uri="{909E8E84-426E-40DD-AFC4-6F175D3DCCD1}">
-              <a14:hiddenFill xmlns:a14="http://schemas.microsoft.com/office/drawing/2010/main">
-                <a:solidFill>
-                  <a:srgbClr val="FFFFFF"/>
-                </a:solidFill>
-              </a14:hiddenFill>
-            </a:ext>
-          </a:extLst>
-        </p:spPr>
-      </p:pic>
-      <p:pic>
-        <p:nvPicPr>
-          <p:cNvPr id="1032" name="Picture 8" descr="Intel® NUC 裝置">
-            <a:extLst>
-              <a:ext uri="{FF2B5EF4-FFF2-40B4-BE49-F238E27FC236}">
-                <a16:creationId xmlns:a16="http://schemas.microsoft.com/office/drawing/2014/main" id="{18B022E3-24DD-74AE-BDFC-9D25639CA0C1}"/>
-              </a:ext>
-            </a:extLst>
-          </p:cNvPr>
-          <p:cNvPicPr>
-            <a:picLocks noChangeAspect="1" noChangeArrowheads="1"/>
-          </p:cNvPicPr>
-          <p:nvPr/>
-        </p:nvPicPr>
-        <p:blipFill>
-          <a:blip r:embed="rId6">
-            <a:extLst>
-              <a:ext uri="{28A0092B-C50C-407E-A947-70E740481C1C}">
-                <a14:useLocalDpi xmlns:a14="http://schemas.microsoft.com/office/drawing/2010/main" val="0"/>
-              </a:ext>
-            </a:extLst>
-          </a:blip>
-          <a:srcRect/>
-          <a:stretch>
-            <a:fillRect/>
-          </a:stretch>
-        </p:blipFill>
-        <p:spPr bwMode="auto">
-          <a:xfrm>
-            <a:off x="7433094" y="533759"/>
-            <a:ext cx="4572000" cy="2571750"/>
-          </a:xfrm>
-          <a:prstGeom prst="rect">
-            <a:avLst/>
-          </a:prstGeom>
-          <a:noFill/>
-          <a:extLst>
-            <a:ext uri="{909E8E84-426E-40DD-AFC4-6F175D3DCCD1}">
-              <a14:hiddenFill xmlns:a14="http://schemas.microsoft.com/office/drawing/2010/main">
-                <a:solidFill>
-                  <a:srgbClr val="FFFFFF"/>
-                </a:solidFill>
-              </a14:hiddenFill>
-            </a:ext>
-          </a:extLst>
-        </p:spPr>
-      </p:pic>
-    </p:spTree>
-    <p:extLst>
-      <p:ext uri="{BB962C8B-B14F-4D97-AF65-F5344CB8AC3E}">
-        <p14:creationId xmlns:p14="http://schemas.microsoft.com/office/powerpoint/2010/main" val="3162456328"/>
-      </p:ext>
-    </p:extLst>
-  </p:cSld>
-  <p:clrMapOvr>
-    <a:masterClrMapping/>
-  </p:clrMapOvr>
-</p:sld>
-</file>
-
-<file path=ppt/slides/slide6.xml><?xml version="1.0" encoding="utf-8"?>
 <p:sld xmlns:a="http://schemas.openxmlformats.org/drawingml/2006/main" xmlns:r="http://schemas.openxmlformats.org/officeDocument/2006/relationships" xmlns:p="http://schemas.openxmlformats.org/presentationml/2006/main">
   <p:cSld>
     <p:spTree>
@@ -4970,7 +4639,7 @@
 </p:sld>
 </file>
 
-<file path=ppt/slides/slide7.xml><?xml version="1.0" encoding="utf-8"?>
+<file path=ppt/slides/slide6.xml><?xml version="1.0" encoding="utf-8"?>
 <p:sld xmlns:a="http://schemas.openxmlformats.org/drawingml/2006/main" xmlns:r="http://schemas.openxmlformats.org/officeDocument/2006/relationships" xmlns:p="http://schemas.openxmlformats.org/presentationml/2006/main">
   <p:cSld>
     <p:spTree>
